--- a/模具三乙第十一組.pptx
+++ b/模具三乙第十一組.pptx
@@ -111,7 +111,7 @@
   </p:defaultTextStyle>
   <p:extLst>
     <p:ext uri="{EFAFB233-063F-42B5-8137-9DF3F51BA10A}">
-      <p15:sldGuideLst xmlns:p15="http://schemas.microsoft.com/office/powerpoint/2012/main" xmlns="">
+      <p15:sldGuideLst xmlns:p15="http://schemas.microsoft.com/office/powerpoint/2012/main">
         <p15:guide id="1" orient="horz" pos="2160">
           <p15:clr>
             <a:srgbClr val="A4A3A4"/>
@@ -323,7 +323,7 @@
           <a:p>
             <a:fld id="{3F40FB73-44E8-48B3-A2BE-4BCB06E6221D}" type="datetimeFigureOut">
               <a:rPr lang="zh-TW" altLang="en-US" smtClean="0"/>
-              <a:t>2019/8/29</a:t>
+              <a:t>2019/10/3</a:t>
             </a:fld>
             <a:endParaRPr lang="zh-TW" altLang="en-US"/>
           </a:p>
@@ -512,7 +512,7 @@
           <a:p>
             <a:fld id="{3F40FB73-44E8-48B3-A2BE-4BCB06E6221D}" type="datetimeFigureOut">
               <a:rPr lang="zh-TW" altLang="en-US" smtClean="0"/>
-              <a:t>2019/8/29</a:t>
+              <a:t>2019/10/3</a:t>
             </a:fld>
             <a:endParaRPr lang="zh-TW" altLang="en-US"/>
           </a:p>
@@ -704,7 +704,7 @@
           <a:p>
             <a:fld id="{3F40FB73-44E8-48B3-A2BE-4BCB06E6221D}" type="datetimeFigureOut">
               <a:rPr lang="zh-TW" altLang="en-US" smtClean="0"/>
-              <a:t>2019/8/29</a:t>
+              <a:t>2019/10/3</a:t>
             </a:fld>
             <a:endParaRPr lang="zh-TW" altLang="en-US"/>
           </a:p>
@@ -886,7 +886,7 @@
           <a:p>
             <a:fld id="{3F40FB73-44E8-48B3-A2BE-4BCB06E6221D}" type="datetimeFigureOut">
               <a:rPr lang="zh-TW" altLang="en-US" smtClean="0"/>
-              <a:t>2019/8/29</a:t>
+              <a:t>2019/10/3</a:t>
             </a:fld>
             <a:endParaRPr lang="zh-TW" altLang="en-US"/>
           </a:p>
@@ -1151,7 +1151,7 @@
           <a:p>
             <a:fld id="{3F40FB73-44E8-48B3-A2BE-4BCB06E6221D}" type="datetimeFigureOut">
               <a:rPr lang="zh-TW" altLang="en-US" smtClean="0"/>
-              <a:t>2019/8/29</a:t>
+              <a:t>2019/10/3</a:t>
             </a:fld>
             <a:endParaRPr lang="zh-TW" altLang="en-US"/>
           </a:p>
@@ -1458,7 +1458,7 @@
           <a:p>
             <a:fld id="{3F40FB73-44E8-48B3-A2BE-4BCB06E6221D}" type="datetimeFigureOut">
               <a:rPr lang="zh-TW" altLang="en-US" smtClean="0"/>
-              <a:t>2019/8/29</a:t>
+              <a:t>2019/10/3</a:t>
             </a:fld>
             <a:endParaRPr lang="zh-TW" altLang="en-US"/>
           </a:p>
@@ -1892,7 +1892,7 @@
           <a:p>
             <a:fld id="{3F40FB73-44E8-48B3-A2BE-4BCB06E6221D}" type="datetimeFigureOut">
               <a:rPr lang="zh-TW" altLang="en-US" smtClean="0"/>
-              <a:t>2019/8/29</a:t>
+              <a:t>2019/10/3</a:t>
             </a:fld>
             <a:endParaRPr lang="zh-TW" altLang="en-US"/>
           </a:p>
@@ -2022,7 +2022,7 @@
           <a:p>
             <a:fld id="{3F40FB73-44E8-48B3-A2BE-4BCB06E6221D}" type="datetimeFigureOut">
               <a:rPr lang="zh-TW" altLang="en-US" smtClean="0"/>
-              <a:t>2019/8/29</a:t>
+              <a:t>2019/10/3</a:t>
             </a:fld>
             <a:endParaRPr lang="zh-TW" altLang="en-US"/>
           </a:p>
@@ -2129,7 +2129,7 @@
           <a:p>
             <a:fld id="{3F40FB73-44E8-48B3-A2BE-4BCB06E6221D}" type="datetimeFigureOut">
               <a:rPr lang="zh-TW" altLang="en-US" smtClean="0"/>
-              <a:t>2019/8/29</a:t>
+              <a:t>2019/10/3</a:t>
             </a:fld>
             <a:endParaRPr lang="zh-TW" altLang="en-US"/>
           </a:p>
@@ -2418,7 +2418,7 @@
           <a:p>
             <a:fld id="{3F40FB73-44E8-48B3-A2BE-4BCB06E6221D}" type="datetimeFigureOut">
               <a:rPr lang="zh-TW" altLang="en-US" smtClean="0"/>
-              <a:t>2019/8/29</a:t>
+              <a:t>2019/10/3</a:t>
             </a:fld>
             <a:endParaRPr lang="zh-TW" altLang="en-US"/>
           </a:p>
@@ -2690,7 +2690,7 @@
           <a:p>
             <a:fld id="{3F40FB73-44E8-48B3-A2BE-4BCB06E6221D}" type="datetimeFigureOut">
               <a:rPr lang="zh-TW" altLang="en-US" smtClean="0"/>
-              <a:t>2019/8/29</a:t>
+              <a:t>2019/10/3</a:t>
             </a:fld>
             <a:endParaRPr lang="zh-TW" altLang="en-US"/>
           </a:p>
@@ -2925,7 +2925,7 @@
           <a:p>
             <a:fld id="{3F40FB73-44E8-48B3-A2BE-4BCB06E6221D}" type="datetimeFigureOut">
               <a:rPr lang="zh-TW" altLang="en-US" smtClean="0"/>
-              <a:t>2019/8/29</a:t>
+              <a:t>2019/10/3</a:t>
             </a:fld>
             <a:endParaRPr lang="zh-TW" altLang="en-US" dirty="0"/>
           </a:p>
@@ -3463,7 +3463,7 @@
               <a:t>第</a:t>
             </a:r>
             <a:r>
-              <a:rPr lang="en-US" altLang="zh-TW" sz="2400" dirty="0" smtClean="0">
+              <a:rPr lang="en-US" altLang="zh-TW" sz="2400" smtClean="0">
                 <a:solidFill>
                   <a:schemeClr val="tx1"/>
                 </a:solidFill>
@@ -3471,16 +3471,6 @@
                 <a:ea typeface="標楷體" pitchFamily="65" charset="-120"/>
               </a:rPr>
               <a:t>11</a:t>
-            </a:r>
-            <a:r>
-              <a:rPr lang="zh-TW" altLang="en-US" sz="2400" dirty="0" smtClean="0">
-                <a:solidFill>
-                  <a:schemeClr val="tx1"/>
-                </a:solidFill>
-                <a:latin typeface="標楷體" pitchFamily="65" charset="-120"/>
-                <a:ea typeface="標楷體" pitchFamily="65" charset="-120"/>
-              </a:rPr>
-              <a:t>組</a:t>
             </a:r>
             <a:endParaRPr lang="en-US" altLang="zh-TW" sz="2400" dirty="0" smtClean="0">
               <a:solidFill>
